--- a/Electric_Vehicle_Presentation.pptx
+++ b/Electric_Vehicle_Presentation.pptx
@@ -6,10 +6,10 @@
   </p:sldMasterIdLst>
   <p:sldIdLst>
     <p:sldId id="257" r:id="rId5"/>
-    <p:sldId id="260" r:id="rId6"/>
-    <p:sldId id="264" r:id="rId7"/>
-    <p:sldId id="275" r:id="rId8"/>
-    <p:sldId id="276" r:id="rId9"/>
+    <p:sldId id="264" r:id="rId6"/>
+    <p:sldId id="260" r:id="rId7"/>
+    <p:sldId id="276" r:id="rId8"/>
+    <p:sldId id="275" r:id="rId9"/>
     <p:sldId id="268" r:id="rId10"/>
     <p:sldId id="272" r:id="rId11"/>
     <p:sldId id="273" r:id="rId12"/>
@@ -123,7 +123,7 @@
   </p:defaultTextStyle>
   <p:extLst>
     <p:ext uri="{EFAFB233-063F-42B5-8137-9DF3F51BA10A}">
-      <p15:sldGuideLst xmlns:p15="http://schemas.microsoft.com/office/powerpoint/2012/main"/>
+      <p15:sldGuideLst xmlns:p15="http://schemas.microsoft.com/office/powerpoint/2012/main" xmlns=""/>
     </p:ext>
   </p:extLst>
 </p:presentation>
@@ -10652,6 +10652,13 @@
         </dgm:presLayoutVars>
       </dgm:prSet>
       <dgm:spPr/>
+      <dgm:t>
+        <a:bodyPr/>
+        <a:lstStyle/>
+        <a:p>
+          <a:endParaRPr lang="en-US"/>
+        </a:p>
+      </dgm:t>
     </dgm:pt>
   </dgm:ptLst>
   <dgm:cxnLst>
@@ -10690,6 +10697,13 @@
         </dgm:presLayoutVars>
       </dgm:prSet>
       <dgm:spPr/>
+      <dgm:t>
+        <a:bodyPr/>
+        <a:lstStyle/>
+        <a:p>
+          <a:endParaRPr lang="en-US"/>
+        </a:p>
+      </dgm:t>
     </dgm:pt>
   </dgm:ptLst>
   <dgm:cxnLst>
@@ -10728,6 +10742,13 @@
         </dgm:presLayoutVars>
       </dgm:prSet>
       <dgm:spPr/>
+      <dgm:t>
+        <a:bodyPr/>
+        <a:lstStyle/>
+        <a:p>
+          <a:endParaRPr lang="en-US"/>
+        </a:p>
+      </dgm:t>
     </dgm:pt>
   </dgm:ptLst>
   <dgm:cxnLst>
@@ -10766,6 +10787,13 @@
         </dgm:presLayoutVars>
       </dgm:prSet>
       <dgm:spPr/>
+      <dgm:t>
+        <a:bodyPr/>
+        <a:lstStyle/>
+        <a:p>
+          <a:endParaRPr lang="en-US"/>
+        </a:p>
+      </dgm:t>
     </dgm:pt>
   </dgm:ptLst>
   <dgm:cxnLst>
@@ -10804,6 +10832,13 @@
         </dgm:presLayoutVars>
       </dgm:prSet>
       <dgm:spPr/>
+      <dgm:t>
+        <a:bodyPr/>
+        <a:lstStyle/>
+        <a:p>
+          <a:endParaRPr lang="en-US"/>
+        </a:p>
+      </dgm:t>
     </dgm:pt>
   </dgm:ptLst>
   <dgm:cxnLst>
@@ -10842,6 +10877,13 @@
         </dgm:presLayoutVars>
       </dgm:prSet>
       <dgm:spPr/>
+      <dgm:t>
+        <a:bodyPr/>
+        <a:lstStyle/>
+        <a:p>
+          <a:endParaRPr lang="en-US"/>
+        </a:p>
+      </dgm:t>
     </dgm:pt>
   </dgm:ptLst>
   <dgm:cxnLst>
@@ -10880,6 +10922,13 @@
         </dgm:presLayoutVars>
       </dgm:prSet>
       <dgm:spPr/>
+      <dgm:t>
+        <a:bodyPr/>
+        <a:lstStyle/>
+        <a:p>
+          <a:endParaRPr lang="en-US"/>
+        </a:p>
+      </dgm:t>
     </dgm:pt>
   </dgm:ptLst>
   <dgm:cxnLst>
@@ -10918,6 +10967,13 @@
         </dgm:presLayoutVars>
       </dgm:prSet>
       <dgm:spPr/>
+      <dgm:t>
+        <a:bodyPr/>
+        <a:lstStyle/>
+        <a:p>
+          <a:endParaRPr lang="en-US"/>
+        </a:p>
+      </dgm:t>
     </dgm:pt>
   </dgm:ptLst>
   <dgm:cxnLst>
@@ -10956,6 +11012,13 @@
         </dgm:presLayoutVars>
       </dgm:prSet>
       <dgm:spPr/>
+      <dgm:t>
+        <a:bodyPr/>
+        <a:lstStyle/>
+        <a:p>
+          <a:endParaRPr lang="en-US"/>
+        </a:p>
+      </dgm:t>
     </dgm:pt>
   </dgm:ptLst>
   <dgm:cxnLst>
@@ -10994,6 +11057,13 @@
         </dgm:presLayoutVars>
       </dgm:prSet>
       <dgm:spPr/>
+      <dgm:t>
+        <a:bodyPr/>
+        <a:lstStyle/>
+        <a:p>
+          <a:endParaRPr lang="en-US"/>
+        </a:p>
+      </dgm:t>
     </dgm:pt>
   </dgm:ptLst>
   <dgm:cxnLst>
@@ -11032,6 +11102,13 @@
         </dgm:presLayoutVars>
       </dgm:prSet>
       <dgm:spPr/>
+      <dgm:t>
+        <a:bodyPr/>
+        <a:lstStyle/>
+        <a:p>
+          <a:endParaRPr lang="en-US"/>
+        </a:p>
+      </dgm:t>
     </dgm:pt>
   </dgm:ptLst>
   <dgm:cxnLst>
@@ -11070,6 +11147,13 @@
         </dgm:presLayoutVars>
       </dgm:prSet>
       <dgm:spPr/>
+      <dgm:t>
+        <a:bodyPr/>
+        <a:lstStyle/>
+        <a:p>
+          <a:endParaRPr lang="en-US"/>
+        </a:p>
+      </dgm:t>
     </dgm:pt>
   </dgm:ptLst>
   <dgm:cxnLst>
@@ -11555,7 +11639,7 @@
                 <dgm:adjLst/>
                 <dgm:extLst>
                   <a:ext uri="{B698B0E9-8C71-41B9-8309-B3DCBF30829C}">
-                    <dgm1612:spPr xmlns:dgm1612="http://schemas.microsoft.com/office/drawing/2016/12/diagram">
+                    <dgm1612:spPr xmlns:dgm1612="http://schemas.microsoft.com/office/drawing/2016/12/diagram" xmlns="">
                       <a:ln>
                         <a:prstDash val="dash"/>
                       </a:ln>
@@ -11766,7 +11850,7 @@
                 <dgm:adjLst/>
                 <dgm:extLst>
                   <a:ext uri="{B698B0E9-8C71-41B9-8309-B3DCBF30829C}">
-                    <dgm1612:spPr xmlns:dgm1612="http://schemas.microsoft.com/office/drawing/2016/12/diagram">
+                    <dgm1612:spPr xmlns:dgm1612="http://schemas.microsoft.com/office/drawing/2016/12/diagram" xmlns="">
                       <a:ln>
                         <a:prstDash val="dash"/>
                       </a:ln>
@@ -12138,7 +12222,7 @@
                 <dgm:adjLst/>
                 <dgm:extLst>
                   <a:ext uri="{B698B0E9-8C71-41B9-8309-B3DCBF30829C}">
-                    <dgm1612:spPr xmlns:dgm1612="http://schemas.microsoft.com/office/drawing/2016/12/diagram">
+                    <dgm1612:spPr xmlns:dgm1612="http://schemas.microsoft.com/office/drawing/2016/12/diagram" xmlns="">
                       <a:ln>
                         <a:prstDash val="dash"/>
                       </a:ln>
@@ -12349,7 +12433,7 @@
                 <dgm:adjLst/>
                 <dgm:extLst>
                   <a:ext uri="{B698B0E9-8C71-41B9-8309-B3DCBF30829C}">
-                    <dgm1612:spPr xmlns:dgm1612="http://schemas.microsoft.com/office/drawing/2016/12/diagram">
+                    <dgm1612:spPr xmlns:dgm1612="http://schemas.microsoft.com/office/drawing/2016/12/diagram" xmlns="">
                       <a:ln>
                         <a:prstDash val="dash"/>
                       </a:ln>
@@ -12721,7 +12805,7 @@
                 <dgm:adjLst/>
                 <dgm:extLst>
                   <a:ext uri="{B698B0E9-8C71-41B9-8309-B3DCBF30829C}">
-                    <dgm1612:spPr xmlns:dgm1612="http://schemas.microsoft.com/office/drawing/2016/12/diagram">
+                    <dgm1612:spPr xmlns:dgm1612="http://schemas.microsoft.com/office/drawing/2016/12/diagram" xmlns="">
                       <a:ln>
                         <a:prstDash val="dash"/>
                       </a:ln>
@@ -12932,7 +13016,7 @@
                 <dgm:adjLst/>
                 <dgm:extLst>
                   <a:ext uri="{B698B0E9-8C71-41B9-8309-B3DCBF30829C}">
-                    <dgm1612:spPr xmlns:dgm1612="http://schemas.microsoft.com/office/drawing/2016/12/diagram">
+                    <dgm1612:spPr xmlns:dgm1612="http://schemas.microsoft.com/office/drawing/2016/12/diagram" xmlns="">
                       <a:ln>
                         <a:prstDash val="dash"/>
                       </a:ln>
@@ -13304,7 +13388,7 @@
                 <dgm:adjLst/>
                 <dgm:extLst>
                   <a:ext uri="{B698B0E9-8C71-41B9-8309-B3DCBF30829C}">
-                    <dgm1612:spPr xmlns:dgm1612="http://schemas.microsoft.com/office/drawing/2016/12/diagram">
+                    <dgm1612:spPr xmlns:dgm1612="http://schemas.microsoft.com/office/drawing/2016/12/diagram" xmlns="">
                       <a:ln>
                         <a:prstDash val="dash"/>
                       </a:ln>
@@ -13515,7 +13599,7 @@
                 <dgm:adjLst/>
                 <dgm:extLst>
                   <a:ext uri="{B698B0E9-8C71-41B9-8309-B3DCBF30829C}">
-                    <dgm1612:spPr xmlns:dgm1612="http://schemas.microsoft.com/office/drawing/2016/12/diagram">
+                    <dgm1612:spPr xmlns:dgm1612="http://schemas.microsoft.com/office/drawing/2016/12/diagram" xmlns="">
                       <a:ln>
                         <a:prstDash val="dash"/>
                       </a:ln>
@@ -13887,7 +13971,7 @@
                 <dgm:adjLst/>
                 <dgm:extLst>
                   <a:ext uri="{B698B0E9-8C71-41B9-8309-B3DCBF30829C}">
-                    <dgm1612:spPr xmlns:dgm1612="http://schemas.microsoft.com/office/drawing/2016/12/diagram">
+                    <dgm1612:spPr xmlns:dgm1612="http://schemas.microsoft.com/office/drawing/2016/12/diagram" xmlns="">
                       <a:ln>
                         <a:prstDash val="dash"/>
                       </a:ln>
@@ -14098,7 +14182,7 @@
                 <dgm:adjLst/>
                 <dgm:extLst>
                   <a:ext uri="{B698B0E9-8C71-41B9-8309-B3DCBF30829C}">
-                    <dgm1612:spPr xmlns:dgm1612="http://schemas.microsoft.com/office/drawing/2016/12/diagram">
+                    <dgm1612:spPr xmlns:dgm1612="http://schemas.microsoft.com/office/drawing/2016/12/diagram" xmlns="">
                       <a:ln>
                         <a:prstDash val="dash"/>
                       </a:ln>
@@ -14470,7 +14554,7 @@
                 <dgm:adjLst/>
                 <dgm:extLst>
                   <a:ext uri="{B698B0E9-8C71-41B9-8309-B3DCBF30829C}">
-                    <dgm1612:spPr xmlns:dgm1612="http://schemas.microsoft.com/office/drawing/2016/12/diagram">
+                    <dgm1612:spPr xmlns:dgm1612="http://schemas.microsoft.com/office/drawing/2016/12/diagram" xmlns="">
                       <a:ln>
                         <a:prstDash val="dash"/>
                       </a:ln>
@@ -14681,7 +14765,7 @@
                 <dgm:adjLst/>
                 <dgm:extLst>
                   <a:ext uri="{B698B0E9-8C71-41B9-8309-B3DCBF30829C}">
-                    <dgm1612:spPr xmlns:dgm1612="http://schemas.microsoft.com/office/drawing/2016/12/diagram">
+                    <dgm1612:spPr xmlns:dgm1612="http://schemas.microsoft.com/office/drawing/2016/12/diagram" xmlns="">
                       <a:ln>
                         <a:prstDash val="dash"/>
                       </a:ln>
@@ -15053,7 +15137,7 @@
                 <dgm:adjLst/>
                 <dgm:extLst>
                   <a:ext uri="{B698B0E9-8C71-41B9-8309-B3DCBF30829C}">
-                    <dgm1612:spPr xmlns:dgm1612="http://schemas.microsoft.com/office/drawing/2016/12/diagram">
+                    <dgm1612:spPr xmlns:dgm1612="http://schemas.microsoft.com/office/drawing/2016/12/diagram" xmlns="">
                       <a:ln>
                         <a:prstDash val="dash"/>
                       </a:ln>
@@ -15264,7 +15348,7 @@
                 <dgm:adjLst/>
                 <dgm:extLst>
                   <a:ext uri="{B698B0E9-8C71-41B9-8309-B3DCBF30829C}">
-                    <dgm1612:spPr xmlns:dgm1612="http://schemas.microsoft.com/office/drawing/2016/12/diagram">
+                    <dgm1612:spPr xmlns:dgm1612="http://schemas.microsoft.com/office/drawing/2016/12/diagram" xmlns="">
                       <a:ln>
                         <a:prstDash val="dash"/>
                       </a:ln>
@@ -15636,7 +15720,7 @@
                 <dgm:adjLst/>
                 <dgm:extLst>
                   <a:ext uri="{B698B0E9-8C71-41B9-8309-B3DCBF30829C}">
-                    <dgm1612:spPr xmlns:dgm1612="http://schemas.microsoft.com/office/drawing/2016/12/diagram">
+                    <dgm1612:spPr xmlns:dgm1612="http://schemas.microsoft.com/office/drawing/2016/12/diagram" xmlns="">
                       <a:ln>
                         <a:prstDash val="dash"/>
                       </a:ln>
@@ -15847,7 +15931,7 @@
                 <dgm:adjLst/>
                 <dgm:extLst>
                   <a:ext uri="{B698B0E9-8C71-41B9-8309-B3DCBF30829C}">
-                    <dgm1612:spPr xmlns:dgm1612="http://schemas.microsoft.com/office/drawing/2016/12/diagram">
+                    <dgm1612:spPr xmlns:dgm1612="http://schemas.microsoft.com/office/drawing/2016/12/diagram" xmlns="">
                       <a:ln>
                         <a:prstDash val="dash"/>
                       </a:ln>
@@ -16219,7 +16303,7 @@
                 <dgm:adjLst/>
                 <dgm:extLst>
                   <a:ext uri="{B698B0E9-8C71-41B9-8309-B3DCBF30829C}">
-                    <dgm1612:spPr xmlns:dgm1612="http://schemas.microsoft.com/office/drawing/2016/12/diagram">
+                    <dgm1612:spPr xmlns:dgm1612="http://schemas.microsoft.com/office/drawing/2016/12/diagram" xmlns="">
                       <a:ln>
                         <a:prstDash val="dash"/>
                       </a:ln>
@@ -16430,7 +16514,7 @@
                 <dgm:adjLst/>
                 <dgm:extLst>
                   <a:ext uri="{B698B0E9-8C71-41B9-8309-B3DCBF30829C}">
-                    <dgm1612:spPr xmlns:dgm1612="http://schemas.microsoft.com/office/drawing/2016/12/diagram">
+                    <dgm1612:spPr xmlns:dgm1612="http://schemas.microsoft.com/office/drawing/2016/12/diagram" xmlns="">
                       <a:ln>
                         <a:prstDash val="dash"/>
                       </a:ln>
@@ -16802,7 +16886,7 @@
                 <dgm:adjLst/>
                 <dgm:extLst>
                   <a:ext uri="{B698B0E9-8C71-41B9-8309-B3DCBF30829C}">
-                    <dgm1612:spPr xmlns:dgm1612="http://schemas.microsoft.com/office/drawing/2016/12/diagram">
+                    <dgm1612:spPr xmlns:dgm1612="http://schemas.microsoft.com/office/drawing/2016/12/diagram" xmlns="">
                       <a:ln>
                         <a:prstDash val="dash"/>
                       </a:ln>
@@ -17013,7 +17097,7 @@
                 <dgm:adjLst/>
                 <dgm:extLst>
                   <a:ext uri="{B698B0E9-8C71-41B9-8309-B3DCBF30829C}">
-                    <dgm1612:spPr xmlns:dgm1612="http://schemas.microsoft.com/office/drawing/2016/12/diagram">
+                    <dgm1612:spPr xmlns:dgm1612="http://schemas.microsoft.com/office/drawing/2016/12/diagram" xmlns="">
                       <a:ln>
                         <a:prstDash val="dash"/>
                       </a:ln>
@@ -17385,7 +17469,7 @@
                 <dgm:adjLst/>
                 <dgm:extLst>
                   <a:ext uri="{B698B0E9-8C71-41B9-8309-B3DCBF30829C}">
-                    <dgm1612:spPr xmlns:dgm1612="http://schemas.microsoft.com/office/drawing/2016/12/diagram">
+                    <dgm1612:spPr xmlns:dgm1612="http://schemas.microsoft.com/office/drawing/2016/12/diagram" xmlns="">
                       <a:ln>
                         <a:prstDash val="dash"/>
                       </a:ln>
@@ -17596,7 +17680,7 @@
                 <dgm:adjLst/>
                 <dgm:extLst>
                   <a:ext uri="{B698B0E9-8C71-41B9-8309-B3DCBF30829C}">
-                    <dgm1612:spPr xmlns:dgm1612="http://schemas.microsoft.com/office/drawing/2016/12/diagram">
+                    <dgm1612:spPr xmlns:dgm1612="http://schemas.microsoft.com/office/drawing/2016/12/diagram" xmlns="">
                       <a:ln>
                         <a:prstDash val="dash"/>
                       </a:ln>
@@ -17968,7 +18052,7 @@
                 <dgm:adjLst/>
                 <dgm:extLst>
                   <a:ext uri="{B698B0E9-8C71-41B9-8309-B3DCBF30829C}">
-                    <dgm1612:spPr xmlns:dgm1612="http://schemas.microsoft.com/office/drawing/2016/12/diagram">
+                    <dgm1612:spPr xmlns:dgm1612="http://schemas.microsoft.com/office/drawing/2016/12/diagram" xmlns="">
                       <a:ln>
                         <a:prstDash val="dash"/>
                       </a:ln>
@@ -18179,7 +18263,7 @@
                 <dgm:adjLst/>
                 <dgm:extLst>
                   <a:ext uri="{B698B0E9-8C71-41B9-8309-B3DCBF30829C}">
-                    <dgm1612:spPr xmlns:dgm1612="http://schemas.microsoft.com/office/drawing/2016/12/diagram">
+                    <dgm1612:spPr xmlns:dgm1612="http://schemas.microsoft.com/office/drawing/2016/12/diagram" xmlns="">
                       <a:ln>
                         <a:prstDash val="dash"/>
                       </a:ln>
@@ -30853,7 +30937,7 @@
           <p:cNvPr id="8" name="Date Placeholder 7">
             <a:extLst>
               <a:ext uri="{FF2B5EF4-FFF2-40B4-BE49-F238E27FC236}">
-                <a16:creationId xmlns:a16="http://schemas.microsoft.com/office/drawing/2014/main" id="{7FA0ACE7-29A8-47D3-A7D9-257B711D8023}"/>
+                <a16:creationId xmlns:a16="http://schemas.microsoft.com/office/drawing/2014/main" xmlns="" id="{7FA0ACE7-29A8-47D3-A7D9-257B711D8023}"/>
               </a:ext>
             </a:extLst>
           </p:cNvPr>
@@ -30871,7 +30955,7 @@
           <a:p>
             <a:fld id="{ED291B17-9318-49DB-B28B-6E5994AE9581}" type="datetime1">
               <a:rPr lang="en-US" smtClean="0"/>
-              <a:t>3/1/2020</a:t>
+              <a:t>3/5/2020</a:t>
             </a:fld>
             <a:endParaRPr lang="en-US" dirty="0"/>
           </a:p>
@@ -30882,7 +30966,7 @@
           <p:cNvPr id="9" name="Footer Placeholder 8">
             <a:extLst>
               <a:ext uri="{FF2B5EF4-FFF2-40B4-BE49-F238E27FC236}">
-                <a16:creationId xmlns:a16="http://schemas.microsoft.com/office/drawing/2014/main" id="{DEC604B9-52E9-4810-8359-47206518D038}"/>
+                <a16:creationId xmlns:a16="http://schemas.microsoft.com/office/drawing/2014/main" xmlns="" id="{DEC604B9-52E9-4810-8359-47206518D038}"/>
               </a:ext>
             </a:extLst>
           </p:cNvPr>
@@ -30907,7 +30991,7 @@
           <p:cNvPr id="10" name="Slide Number Placeholder 9">
             <a:extLst>
               <a:ext uri="{FF2B5EF4-FFF2-40B4-BE49-F238E27FC236}">
-                <a16:creationId xmlns:a16="http://schemas.microsoft.com/office/drawing/2014/main" id="{5898A89F-CA25-400F-B05A-AECBF2517E4F}"/>
+                <a16:creationId xmlns:a16="http://schemas.microsoft.com/office/drawing/2014/main" xmlns="" id="{5898A89F-CA25-400F-B05A-AECBF2517E4F}"/>
               </a:ext>
             </a:extLst>
           </p:cNvPr>
@@ -31074,7 +31158,7 @@
           <a:p>
             <a:fld id="{2CED4963-E985-44C4-B8C4-FDD613B7C2F8}" type="datetime1">
               <a:rPr lang="en-US" smtClean="0"/>
-              <a:t>3/1/2020</a:t>
+              <a:t>3/5/2020</a:t>
             </a:fld>
             <a:endParaRPr lang="en-US" dirty="0"/>
           </a:p>
@@ -31289,7 +31373,7 @@
           <p:cNvPr id="8" name="Rectangle 7">
             <a:extLst>
               <a:ext uri="{FF2B5EF4-FFF2-40B4-BE49-F238E27FC236}">
-                <a16:creationId xmlns:a16="http://schemas.microsoft.com/office/drawing/2014/main" id="{F6423B97-A5D4-47B9-8861-73B3707A04CF}"/>
+                <a16:creationId xmlns:a16="http://schemas.microsoft.com/office/drawing/2014/main" xmlns="" id="{F6423B97-A5D4-47B9-8861-73B3707A04CF}"/>
               </a:ext>
             </a:extLst>
           </p:cNvPr>
@@ -31332,7 +31416,7 @@
           <p:cNvPr id="9" name="Rectangle 8">
             <a:extLst>
               <a:ext uri="{FF2B5EF4-FFF2-40B4-BE49-F238E27FC236}">
-                <a16:creationId xmlns:a16="http://schemas.microsoft.com/office/drawing/2014/main" id="{1AEC0421-37B4-4481-A10D-69FDF5EC7909}"/>
+                <a16:creationId xmlns:a16="http://schemas.microsoft.com/office/drawing/2014/main" xmlns="" id="{1AEC0421-37B4-4481-A10D-69FDF5EC7909}"/>
               </a:ext>
             </a:extLst>
           </p:cNvPr>
@@ -31375,7 +31459,7 @@
           <p:cNvPr id="10" name="Rectangle 9">
             <a:extLst>
               <a:ext uri="{FF2B5EF4-FFF2-40B4-BE49-F238E27FC236}">
-                <a16:creationId xmlns:a16="http://schemas.microsoft.com/office/drawing/2014/main" id="{5F7265B5-9F97-4F1E-99E9-74F7B7E62337}"/>
+                <a16:creationId xmlns:a16="http://schemas.microsoft.com/office/drawing/2014/main" xmlns="" id="{5F7265B5-9F97-4F1E-99E9-74F7B7E62337}"/>
               </a:ext>
             </a:extLst>
           </p:cNvPr>
@@ -31418,7 +31502,7 @@
           <p:cNvPr id="11" name="Date Placeholder 10">
             <a:extLst>
               <a:ext uri="{FF2B5EF4-FFF2-40B4-BE49-F238E27FC236}">
-                <a16:creationId xmlns:a16="http://schemas.microsoft.com/office/drawing/2014/main" id="{5C74A470-3BD3-4F33-80E5-67E6E87FCBE7}"/>
+                <a16:creationId xmlns:a16="http://schemas.microsoft.com/office/drawing/2014/main" xmlns="" id="{5C74A470-3BD3-4F33-80E5-67E6E87FCBE7}"/>
               </a:ext>
             </a:extLst>
           </p:cNvPr>
@@ -31436,7 +31520,7 @@
           <a:p>
             <a:fld id="{ED291B17-9318-49DB-B28B-6E5994AE9581}" type="datetime1">
               <a:rPr lang="en-US" smtClean="0"/>
-              <a:t>3/1/2020</a:t>
+              <a:t>3/5/2020</a:t>
             </a:fld>
             <a:endParaRPr lang="en-US" dirty="0"/>
           </a:p>
@@ -31447,7 +31531,7 @@
           <p:cNvPr id="12" name="Footer Placeholder 11">
             <a:extLst>
               <a:ext uri="{FF2B5EF4-FFF2-40B4-BE49-F238E27FC236}">
-                <a16:creationId xmlns:a16="http://schemas.microsoft.com/office/drawing/2014/main" id="{9A3A30BA-DB50-4D7D-BCDE-17D20FB354DF}"/>
+                <a16:creationId xmlns:a16="http://schemas.microsoft.com/office/drawing/2014/main" xmlns="" id="{9A3A30BA-DB50-4D7D-BCDE-17D20FB354DF}"/>
               </a:ext>
             </a:extLst>
           </p:cNvPr>
@@ -31472,7 +31556,7 @@
           <p:cNvPr id="13" name="Slide Number Placeholder 12">
             <a:extLst>
               <a:ext uri="{FF2B5EF4-FFF2-40B4-BE49-F238E27FC236}">
-                <a16:creationId xmlns:a16="http://schemas.microsoft.com/office/drawing/2014/main" id="{76FF9E58-C0B2-436B-A21C-DB45A00D6515}"/>
+                <a16:creationId xmlns:a16="http://schemas.microsoft.com/office/drawing/2014/main" xmlns="" id="{76FF9E58-C0B2-436B-A21C-DB45A00D6515}"/>
               </a:ext>
             </a:extLst>
           </p:cNvPr>
@@ -31616,7 +31700,7 @@
           <p:cNvPr id="8" name="Date Placeholder 7">
             <a:extLst>
               <a:ext uri="{FF2B5EF4-FFF2-40B4-BE49-F238E27FC236}">
-                <a16:creationId xmlns:a16="http://schemas.microsoft.com/office/drawing/2014/main" id="{770E6237-3456-439F-802D-3BA93FC7E3E5}"/>
+                <a16:creationId xmlns:a16="http://schemas.microsoft.com/office/drawing/2014/main" xmlns="" id="{770E6237-3456-439F-802D-3BA93FC7E3E5}"/>
               </a:ext>
             </a:extLst>
           </p:cNvPr>
@@ -31634,7 +31718,7 @@
           <a:p>
             <a:fld id="{78DD82B9-B8EE-4375-B6FF-88FA6ABB15D9}" type="datetime1">
               <a:rPr lang="en-US" smtClean="0"/>
-              <a:t>3/1/2020</a:t>
+              <a:t>3/5/2020</a:t>
             </a:fld>
             <a:endParaRPr lang="en-US" dirty="0"/>
           </a:p>
@@ -31645,7 +31729,7 @@
           <p:cNvPr id="9" name="Footer Placeholder 8">
             <a:extLst>
               <a:ext uri="{FF2B5EF4-FFF2-40B4-BE49-F238E27FC236}">
-                <a16:creationId xmlns:a16="http://schemas.microsoft.com/office/drawing/2014/main" id="{1356D3B5-6063-4A89-B88F-9D3043916FF8}"/>
+                <a16:creationId xmlns:a16="http://schemas.microsoft.com/office/drawing/2014/main" xmlns="" id="{1356D3B5-6063-4A89-B88F-9D3043916FF8}"/>
               </a:ext>
             </a:extLst>
           </p:cNvPr>
@@ -31670,7 +31754,7 @@
           <p:cNvPr id="10" name="Slide Number Placeholder 9">
             <a:extLst>
               <a:ext uri="{FF2B5EF4-FFF2-40B4-BE49-F238E27FC236}">
-                <a16:creationId xmlns:a16="http://schemas.microsoft.com/office/drawing/2014/main" id="{02B78BF7-69D3-4CE0-A631-50EFD41EEEB8}"/>
+                <a16:creationId xmlns:a16="http://schemas.microsoft.com/office/drawing/2014/main" xmlns="" id="{02B78BF7-69D3-4CE0-A631-50EFD41EEEB8}"/>
               </a:ext>
             </a:extLst>
           </p:cNvPr>
@@ -31928,7 +32012,7 @@
           <p:cNvPr id="7" name="Date Placeholder 6">
             <a:extLst>
               <a:ext uri="{FF2B5EF4-FFF2-40B4-BE49-F238E27FC236}">
-                <a16:creationId xmlns:a16="http://schemas.microsoft.com/office/drawing/2014/main" id="{61582016-5696-4A93-887F-BBB3B9002FE5}"/>
+                <a16:creationId xmlns:a16="http://schemas.microsoft.com/office/drawing/2014/main" xmlns="" id="{61582016-5696-4A93-887F-BBB3B9002FE5}"/>
               </a:ext>
             </a:extLst>
           </p:cNvPr>
@@ -31946,7 +32030,7 @@
           <a:p>
             <a:fld id="{B2497495-0637-405E-AE64-5CC7506D51F5}" type="datetime1">
               <a:rPr lang="en-US" smtClean="0"/>
-              <a:t>3/1/2020</a:t>
+              <a:t>3/5/2020</a:t>
             </a:fld>
             <a:endParaRPr lang="en-US" dirty="0"/>
           </a:p>
@@ -31957,7 +32041,7 @@
           <p:cNvPr id="9" name="Footer Placeholder 8">
             <a:extLst>
               <a:ext uri="{FF2B5EF4-FFF2-40B4-BE49-F238E27FC236}">
-                <a16:creationId xmlns:a16="http://schemas.microsoft.com/office/drawing/2014/main" id="{857CFCD5-1192-4E18-8A8F-29E153B44DA4}"/>
+                <a16:creationId xmlns:a16="http://schemas.microsoft.com/office/drawing/2014/main" xmlns="" id="{857CFCD5-1192-4E18-8A8F-29E153B44DA4}"/>
               </a:ext>
             </a:extLst>
           </p:cNvPr>
@@ -31982,7 +32066,7 @@
           <p:cNvPr id="10" name="Slide Number Placeholder 9">
             <a:extLst>
               <a:ext uri="{FF2B5EF4-FFF2-40B4-BE49-F238E27FC236}">
-                <a16:creationId xmlns:a16="http://schemas.microsoft.com/office/drawing/2014/main" id="{E39A109E-5018-4794-92B3-FD5E5BCD95E8}"/>
+                <a16:creationId xmlns:a16="http://schemas.microsoft.com/office/drawing/2014/main" xmlns="" id="{E39A109E-5018-4794-92B3-FD5E5BCD95E8}"/>
               </a:ext>
             </a:extLst>
           </p:cNvPr>
@@ -32199,7 +32283,7 @@
           <a:p>
             <a:fld id="{7BFFD690-9426-415D-8B65-26881E07B2D4}" type="datetime1">
               <a:rPr lang="en-US" smtClean="0"/>
-              <a:t>3/1/2020</a:t>
+              <a:t>3/5/2020</a:t>
             </a:fld>
             <a:endParaRPr lang="en-US" dirty="0"/>
           </a:p>
@@ -32621,7 +32705,7 @@
           <a:p>
             <a:fld id="{04C4989A-474C-40DE-95B9-011C28B71673}" type="datetime1">
               <a:rPr lang="en-US" smtClean="0"/>
-              <a:t>3/1/2020</a:t>
+              <a:t>3/5/2020</a:t>
             </a:fld>
             <a:endParaRPr lang="en-US" dirty="0"/>
           </a:p>
@@ -32744,7 +32828,7 @@
           <a:p>
             <a:fld id="{5DB4ED54-5B5E-4A04-93D3-5772E3CE3818}" type="datetime1">
               <a:rPr lang="en-US" smtClean="0"/>
-              <a:t>3/1/2020</a:t>
+              <a:t>3/5/2020</a:t>
             </a:fld>
             <a:endParaRPr lang="en-US" dirty="0"/>
           </a:p>
@@ -32839,7 +32923,7 @@
           <a:p>
             <a:fld id="{4EDE50D6-574B-40AF-946F-D52A04ADE379}" type="datetime1">
               <a:rPr lang="en-US" smtClean="0"/>
-              <a:t>3/1/2020</a:t>
+              <a:t>3/5/2020</a:t>
             </a:fld>
             <a:endParaRPr lang="en-US" dirty="0"/>
           </a:p>
@@ -33193,7 +33277,7 @@
           <p:cNvPr id="8" name="Date Placeholder 7">
             <a:extLst>
               <a:ext uri="{FF2B5EF4-FFF2-40B4-BE49-F238E27FC236}">
-                <a16:creationId xmlns:a16="http://schemas.microsoft.com/office/drawing/2014/main" id="{0B919CC2-2A65-446F-B538-9E6249035445}"/>
+                <a16:creationId xmlns:a16="http://schemas.microsoft.com/office/drawing/2014/main" xmlns="" id="{0B919CC2-2A65-446F-B538-9E6249035445}"/>
               </a:ext>
             </a:extLst>
           </p:cNvPr>
@@ -33216,7 +33300,7 @@
           <a:p>
             <a:fld id="{D82884F1-FFEA-405F-9602-3DCA865EDA4E}" type="datetime1">
               <a:rPr lang="en-US" smtClean="0"/>
-              <a:t>3/1/2020</a:t>
+              <a:t>3/5/2020</a:t>
             </a:fld>
             <a:endParaRPr lang="en-US" dirty="0"/>
           </a:p>
@@ -33227,7 +33311,7 @@
           <p:cNvPr id="10" name="Footer Placeholder 9">
             <a:extLst>
               <a:ext uri="{FF2B5EF4-FFF2-40B4-BE49-F238E27FC236}">
-                <a16:creationId xmlns:a16="http://schemas.microsoft.com/office/drawing/2014/main" id="{B72412AE-119E-4982-8B24-63365EFCA796}"/>
+                <a16:creationId xmlns:a16="http://schemas.microsoft.com/office/drawing/2014/main" xmlns="" id="{B72412AE-119E-4982-8B24-63365EFCA796}"/>
               </a:ext>
             </a:extLst>
           </p:cNvPr>
@@ -33257,7 +33341,7 @@
           <p:cNvPr id="11" name="Slide Number Placeholder 10">
             <a:extLst>
               <a:ext uri="{FF2B5EF4-FFF2-40B4-BE49-F238E27FC236}">
-                <a16:creationId xmlns:a16="http://schemas.microsoft.com/office/drawing/2014/main" id="{7FC4BB19-6AD1-45CF-9F99-00B109890FAB}"/>
+                <a16:creationId xmlns:a16="http://schemas.microsoft.com/office/drawing/2014/main" xmlns="" id="{7FC4BB19-6AD1-45CF-9F99-00B109890FAB}"/>
               </a:ext>
             </a:extLst>
           </p:cNvPr>
@@ -33509,7 +33593,7 @@
           <a:p>
             <a:fld id="{7E18DB4A-8810-4A10-AD5C-D5E2C667F5B3}" type="datetime1">
               <a:rPr lang="en-US" smtClean="0"/>
-              <a:t>3/1/2020</a:t>
+              <a:t>3/5/2020</a:t>
             </a:fld>
             <a:endParaRPr lang="en-US" dirty="0"/>
           </a:p>
@@ -33724,7 +33808,7 @@
           <a:p>
             <a:fld id="{ED291B17-9318-49DB-B28B-6E5994AE9581}" type="datetime1">
               <a:rPr lang="en-US" smtClean="0"/>
-              <a:t>3/1/2020</a:t>
+              <a:t>3/5/2020</a:t>
             </a:fld>
             <a:endParaRPr lang="en-US" dirty="0"/>
           </a:p>
@@ -34369,10 +34453,10 @@
           <p:cNvPr id="18" name="Rectangle 17">
             <a:extLst>
               <a:ext uri="{FF2B5EF4-FFF2-40B4-BE49-F238E27FC236}">
-                <a16:creationId xmlns:a16="http://schemas.microsoft.com/office/drawing/2014/main" id="{D6D7A0BC-0046-4CAA-8E7F-DCAFE511EA0E}"/>
+                <a16:creationId xmlns:a16="http://schemas.microsoft.com/office/drawing/2014/main" xmlns="" id="{D6D7A0BC-0046-4CAA-8E7F-DCAFE511EA0E}"/>
               </a:ext>
               <a:ext uri="{C183D7F6-B498-43B3-948B-1728B52AA6E4}">
-                <adec:decorative xmlns:adec="http://schemas.microsoft.com/office/drawing/2017/decorative" val="1"/>
+                <adec:decorative xmlns:adec="http://schemas.microsoft.com/office/drawing/2017/decorative" xmlns="" val="1"/>
               </a:ext>
             </a:extLst>
           </p:cNvPr>
@@ -34382,7 +34466,7 @@
           <p:nvPr>
             <p:extLst>
               <p:ext uri="{386F3935-93C4-4BCD-93E2-E3B085C9AB24}">
-                <p16:designElem xmlns:p16="http://schemas.microsoft.com/office/powerpoint/2015/main" val="1"/>
+                <p16:designElem xmlns:p16="http://schemas.microsoft.com/office/powerpoint/2015/main" xmlns="" val="1"/>
               </p:ext>
             </p:extLst>
           </p:nvPr>
@@ -34429,7 +34513,7 @@
           <p:cNvPr id="2" name="Title 1">
             <a:extLst>
               <a:ext uri="{FF2B5EF4-FFF2-40B4-BE49-F238E27FC236}">
-                <a16:creationId xmlns:a16="http://schemas.microsoft.com/office/drawing/2014/main" id="{1C21E816-31F5-48BB-BD02-D15F2F18B48A}"/>
+                <a16:creationId xmlns:a16="http://schemas.microsoft.com/office/drawing/2014/main" xmlns="" id="{1C21E816-31F5-48BB-BD02-D15F2F18B48A}"/>
               </a:ext>
             </a:extLst>
           </p:cNvPr>
@@ -34464,7 +34548,7 @@
           <p:cNvPr id="3" name="Subtitle 2">
             <a:extLst>
               <a:ext uri="{FF2B5EF4-FFF2-40B4-BE49-F238E27FC236}">
-                <a16:creationId xmlns:a16="http://schemas.microsoft.com/office/drawing/2014/main" id="{835D6E6B-3353-491C-A3C6-F278D6CED8B3}"/>
+                <a16:creationId xmlns:a16="http://schemas.microsoft.com/office/drawing/2014/main" xmlns="" id="{835D6E6B-3353-491C-A3C6-F278D6CED8B3}"/>
               </a:ext>
             </a:extLst>
           </p:cNvPr>
@@ -34483,7 +34567,7 @@
         </p:spPr>
         <p:txBody>
           <a:bodyPr>
-            <a:normAutofit/>
+            <a:normAutofit lnSpcReduction="10000"/>
           </a:bodyPr>
           <a:lstStyle/>
           <a:p>
@@ -34524,10 +34608,10 @@
           <p:cNvPr id="20" name="Rectangle 19">
             <a:extLst>
               <a:ext uri="{FF2B5EF4-FFF2-40B4-BE49-F238E27FC236}">
-                <a16:creationId xmlns:a16="http://schemas.microsoft.com/office/drawing/2014/main" id="{E7C6334F-6411-41EC-AD7D-179EDD8B58CB}"/>
+                <a16:creationId xmlns:a16="http://schemas.microsoft.com/office/drawing/2014/main" xmlns="" id="{E7C6334F-6411-41EC-AD7D-179EDD8B58CB}"/>
               </a:ext>
               <a:ext uri="{C183D7F6-B498-43B3-948B-1728B52AA6E4}">
-                <adec:decorative xmlns:adec="http://schemas.microsoft.com/office/drawing/2017/decorative" val="1"/>
+                <adec:decorative xmlns:adec="http://schemas.microsoft.com/office/drawing/2017/decorative" xmlns="" val="1"/>
               </a:ext>
             </a:extLst>
           </p:cNvPr>
@@ -34537,7 +34621,7 @@
           <p:nvPr>
             <p:extLst>
               <p:ext uri="{386F3935-93C4-4BCD-93E2-E3B085C9AB24}">
-                <p16:designElem xmlns:p16="http://schemas.microsoft.com/office/powerpoint/2015/main" val="1"/>
+                <p16:designElem xmlns:p16="http://schemas.microsoft.com/office/powerpoint/2015/main" xmlns="" val="1"/>
               </p:ext>
             </p:extLst>
           </p:nvPr>
@@ -34578,10 +34662,10 @@
           <p:cNvPr id="22" name="Rectangle 21">
             <a:extLst>
               <a:ext uri="{FF2B5EF4-FFF2-40B4-BE49-F238E27FC236}">
-                <a16:creationId xmlns:a16="http://schemas.microsoft.com/office/drawing/2014/main" id="{E6B02CEE-3AF8-4349-9B3E-8970E6DF62B3}"/>
+                <a16:creationId xmlns:a16="http://schemas.microsoft.com/office/drawing/2014/main" xmlns="" id="{E6B02CEE-3AF8-4349-9B3E-8970E6DF62B3}"/>
               </a:ext>
               <a:ext uri="{C183D7F6-B498-43B3-948B-1728B52AA6E4}">
-                <adec:decorative xmlns:adec="http://schemas.microsoft.com/office/drawing/2017/decorative" val="1"/>
+                <adec:decorative xmlns:adec="http://schemas.microsoft.com/office/drawing/2017/decorative" xmlns="" val="1"/>
               </a:ext>
             </a:extLst>
           </p:cNvPr>
@@ -34591,7 +34675,7 @@
           <p:nvPr>
             <p:extLst>
               <p:ext uri="{386F3935-93C4-4BCD-93E2-E3B085C9AB24}">
-                <p16:designElem xmlns:p16="http://schemas.microsoft.com/office/powerpoint/2015/main" val="1"/>
+                <p16:designElem xmlns:p16="http://schemas.microsoft.com/office/powerpoint/2015/main" xmlns="" val="1"/>
               </p:ext>
             </p:extLst>
           </p:nvPr>
@@ -34632,10 +34716,10 @@
           <p:cNvPr id="24" name="Rectangle 23">
             <a:extLst>
               <a:ext uri="{FF2B5EF4-FFF2-40B4-BE49-F238E27FC236}">
-                <a16:creationId xmlns:a16="http://schemas.microsoft.com/office/drawing/2014/main" id="{AAA01CF0-3FB5-44EB-B7DE-F2E86374C2FB}"/>
+                <a16:creationId xmlns:a16="http://schemas.microsoft.com/office/drawing/2014/main" xmlns="" id="{AAA01CF0-3FB5-44EB-B7DE-F2E86374C2FB}"/>
               </a:ext>
               <a:ext uri="{C183D7F6-B498-43B3-948B-1728B52AA6E4}">
-                <adec:decorative xmlns:adec="http://schemas.microsoft.com/office/drawing/2017/decorative" val="1"/>
+                <adec:decorative xmlns:adec="http://schemas.microsoft.com/office/drawing/2017/decorative" xmlns="" val="1"/>
               </a:ext>
             </a:extLst>
           </p:cNvPr>
@@ -34645,7 +34729,7 @@
           <p:nvPr>
             <p:extLst>
               <p:ext uri="{386F3935-93C4-4BCD-93E2-E3B085C9AB24}">
-                <p16:designElem xmlns:p16="http://schemas.microsoft.com/office/powerpoint/2015/main" val="1"/>
+                <p16:designElem xmlns:p16="http://schemas.microsoft.com/office/powerpoint/2015/main" xmlns="" val="1"/>
               </p:ext>
             </p:extLst>
           </p:nvPr>
@@ -34686,7 +34770,7 @@
           <p:cNvPr id="6" name="Picture 5" descr="abstract image">
             <a:extLst>
               <a:ext uri="{FF2B5EF4-FFF2-40B4-BE49-F238E27FC236}">
-                <a16:creationId xmlns:a16="http://schemas.microsoft.com/office/drawing/2014/main" id="{F1A8C364-94D4-4630-BAD0-78722F347055}"/>
+                <a16:creationId xmlns:a16="http://schemas.microsoft.com/office/drawing/2014/main" xmlns="" id="{F1A8C364-94D4-4630-BAD0-78722F347055}"/>
               </a:ext>
             </a:extLst>
           </p:cNvPr>
@@ -34751,7 +34835,7 @@
           <p:cNvPr id="2" name="Title 1">
             <a:extLst>
               <a:ext uri="{FF2B5EF4-FFF2-40B4-BE49-F238E27FC236}">
-                <a16:creationId xmlns:a16="http://schemas.microsoft.com/office/drawing/2014/main" id="{5E562972-3449-42D1-8185-B4BEFD52AB44}"/>
+                <a16:creationId xmlns:a16="http://schemas.microsoft.com/office/drawing/2014/main" xmlns="" id="{5E562972-3449-42D1-8185-B4BEFD52AB44}"/>
               </a:ext>
             </a:extLst>
           </p:cNvPr>
@@ -34799,7 +34883,7 @@
           <p:cNvPr id="4" name="Content Placeholder 2" descr="timeline">
             <a:extLst>
               <a:ext uri="{FF2B5EF4-FFF2-40B4-BE49-F238E27FC236}">
-                <a16:creationId xmlns:a16="http://schemas.microsoft.com/office/drawing/2014/main" id="{FF3F0D82-0AA6-45C3-8367-955CBFA02ED6}"/>
+                <a16:creationId xmlns:a16="http://schemas.microsoft.com/office/drawing/2014/main" xmlns="" id="{FF3F0D82-0AA6-45C3-8367-955CBFA02ED6}"/>
               </a:ext>
             </a:extLst>
           </p:cNvPr>
@@ -34855,7 +34939,7 @@
           <p:cNvPr id="2" name="Title 1">
             <a:extLst>
               <a:ext uri="{FF2B5EF4-FFF2-40B4-BE49-F238E27FC236}">
-                <a16:creationId xmlns:a16="http://schemas.microsoft.com/office/drawing/2014/main" id="{5E562972-3449-42D1-8185-B4BEFD52AB44}"/>
+                <a16:creationId xmlns:a16="http://schemas.microsoft.com/office/drawing/2014/main" xmlns="" id="{5E562972-3449-42D1-8185-B4BEFD52AB44}"/>
               </a:ext>
             </a:extLst>
           </p:cNvPr>
@@ -34903,7 +34987,7 @@
           <p:cNvPr id="4" name="Content Placeholder 2" descr="timeline">
             <a:extLst>
               <a:ext uri="{FF2B5EF4-FFF2-40B4-BE49-F238E27FC236}">
-                <a16:creationId xmlns:a16="http://schemas.microsoft.com/office/drawing/2014/main" id="{FF3F0D82-0AA6-45C3-8367-955CBFA02ED6}"/>
+                <a16:creationId xmlns:a16="http://schemas.microsoft.com/office/drawing/2014/main" xmlns="" id="{FF3F0D82-0AA6-45C3-8367-955CBFA02ED6}"/>
               </a:ext>
             </a:extLst>
           </p:cNvPr>
@@ -34959,7 +35043,7 @@
           <p:cNvPr id="2" name="Title 1">
             <a:extLst>
               <a:ext uri="{FF2B5EF4-FFF2-40B4-BE49-F238E27FC236}">
-                <a16:creationId xmlns:a16="http://schemas.microsoft.com/office/drawing/2014/main" id="{5E562972-3449-42D1-8185-B4BEFD52AB44}"/>
+                <a16:creationId xmlns:a16="http://schemas.microsoft.com/office/drawing/2014/main" xmlns="" id="{5E562972-3449-42D1-8185-B4BEFD52AB44}"/>
               </a:ext>
             </a:extLst>
           </p:cNvPr>
@@ -35007,7 +35091,7 @@
           <p:cNvPr id="4" name="Content Placeholder 2" descr="timeline">
             <a:extLst>
               <a:ext uri="{FF2B5EF4-FFF2-40B4-BE49-F238E27FC236}">
-                <a16:creationId xmlns:a16="http://schemas.microsoft.com/office/drawing/2014/main" id="{FF3F0D82-0AA6-45C3-8367-955CBFA02ED6}"/>
+                <a16:creationId xmlns:a16="http://schemas.microsoft.com/office/drawing/2014/main" xmlns="" id="{FF3F0D82-0AA6-45C3-8367-955CBFA02ED6}"/>
               </a:ext>
             </a:extLst>
           </p:cNvPr>
@@ -35063,7 +35147,7 @@
           <p:cNvPr id="2" name="Title 1">
             <a:extLst>
               <a:ext uri="{FF2B5EF4-FFF2-40B4-BE49-F238E27FC236}">
-                <a16:creationId xmlns:a16="http://schemas.microsoft.com/office/drawing/2014/main" id="{5E562972-3449-42D1-8185-B4BEFD52AB44}"/>
+                <a16:creationId xmlns:a16="http://schemas.microsoft.com/office/drawing/2014/main" xmlns="" id="{5E562972-3449-42D1-8185-B4BEFD52AB44}"/>
               </a:ext>
             </a:extLst>
           </p:cNvPr>
@@ -35111,7 +35195,7 @@
           <p:cNvPr id="4" name="Content Placeholder 2" descr="timeline">
             <a:extLst>
               <a:ext uri="{FF2B5EF4-FFF2-40B4-BE49-F238E27FC236}">
-                <a16:creationId xmlns:a16="http://schemas.microsoft.com/office/drawing/2014/main" id="{FF3F0D82-0AA6-45C3-8367-955CBFA02ED6}"/>
+                <a16:creationId xmlns:a16="http://schemas.microsoft.com/office/drawing/2014/main" xmlns="" id="{FF3F0D82-0AA6-45C3-8367-955CBFA02ED6}"/>
               </a:ext>
             </a:extLst>
           </p:cNvPr>
@@ -35167,7 +35251,7 @@
           <p:cNvPr id="2" name="Title 1">
             <a:extLst>
               <a:ext uri="{FF2B5EF4-FFF2-40B4-BE49-F238E27FC236}">
-                <a16:creationId xmlns:a16="http://schemas.microsoft.com/office/drawing/2014/main" id="{5E562972-3449-42D1-8185-B4BEFD52AB44}"/>
+                <a16:creationId xmlns:a16="http://schemas.microsoft.com/office/drawing/2014/main" xmlns="" id="{5E562972-3449-42D1-8185-B4BEFD52AB44}"/>
               </a:ext>
             </a:extLst>
           </p:cNvPr>
@@ -35215,7 +35299,7 @@
           <p:cNvPr id="6" name="Table 6">
             <a:extLst>
               <a:ext uri="{FF2B5EF4-FFF2-40B4-BE49-F238E27FC236}">
-                <a16:creationId xmlns:a16="http://schemas.microsoft.com/office/drawing/2014/main" id="{AF6588BC-CED3-4423-A5CE-A97EB7D786E0}"/>
+                <a16:creationId xmlns:a16="http://schemas.microsoft.com/office/drawing/2014/main" xmlns="" id="{AF6588BC-CED3-4423-A5CE-A97EB7D786E0}"/>
               </a:ext>
             </a:extLst>
           </p:cNvPr>
@@ -35232,7 +35316,7 @@
         </p:nvGraphicFramePr>
         <p:xfrm>
           <a:off x="644635" y="1360351"/>
-          <a:ext cx="11037613" cy="4567346"/>
+          <a:ext cx="11037613" cy="4658786"/>
         </p:xfrm>
         <a:graphic>
           <a:graphicData uri="http://schemas.openxmlformats.org/drawingml/2006/table">
@@ -35244,21 +35328,21 @@
                 <a:gridCol w="1546772">
                   <a:extLst>
                     <a:ext uri="{9D8B030D-6E8A-4147-A177-3AD203B41FA5}">
-                      <a16:colId xmlns:a16="http://schemas.microsoft.com/office/drawing/2014/main" val="79440665"/>
+                      <a16:colId xmlns:a16="http://schemas.microsoft.com/office/drawing/2014/main" xmlns="" val="79440665"/>
                     </a:ext>
                   </a:extLst>
                 </a:gridCol>
                 <a:gridCol w="3673365">
                   <a:extLst>
                     <a:ext uri="{9D8B030D-6E8A-4147-A177-3AD203B41FA5}">
-                      <a16:colId xmlns:a16="http://schemas.microsoft.com/office/drawing/2014/main" val="1455305722"/>
+                      <a16:colId xmlns:a16="http://schemas.microsoft.com/office/drawing/2014/main" xmlns="" val="1455305722"/>
                     </a:ext>
                   </a:extLst>
                 </a:gridCol>
                 <a:gridCol w="5817476">
                   <a:extLst>
                     <a:ext uri="{9D8B030D-6E8A-4147-A177-3AD203B41FA5}">
-                      <a16:colId xmlns:a16="http://schemas.microsoft.com/office/drawing/2014/main" val="3735898087"/>
+                      <a16:colId xmlns:a16="http://schemas.microsoft.com/office/drawing/2014/main" xmlns="" val="3735898087"/>
                     </a:ext>
                   </a:extLst>
                 </a:gridCol>
@@ -35305,7 +35389,7 @@
                 </a:tc>
                 <a:extLst>
                   <a:ext uri="{0D108BD9-81ED-4DB2-BD59-A6C34878D82A}">
-                    <a16:rowId xmlns:a16="http://schemas.microsoft.com/office/drawing/2014/main" val="3447992204"/>
+                    <a16:rowId xmlns:a16="http://schemas.microsoft.com/office/drawing/2014/main" xmlns="" val="3447992204"/>
                   </a:ext>
                 </a:extLst>
               </a:tr>
@@ -35351,7 +35435,7 @@
                 </a:tc>
                 <a:extLst>
                   <a:ext uri="{0D108BD9-81ED-4DB2-BD59-A6C34878D82A}">
-                    <a16:rowId xmlns:a16="http://schemas.microsoft.com/office/drawing/2014/main" val="3921571520"/>
+                    <a16:rowId xmlns:a16="http://schemas.microsoft.com/office/drawing/2014/main" xmlns="" val="3921571520"/>
                   </a:ext>
                 </a:extLst>
               </a:tr>
@@ -35395,7 +35479,7 @@
                 </a:tc>
                 <a:extLst>
                   <a:ext uri="{0D108BD9-81ED-4DB2-BD59-A6C34878D82A}">
-                    <a16:rowId xmlns:a16="http://schemas.microsoft.com/office/drawing/2014/main" val="3183733672"/>
+                    <a16:rowId xmlns:a16="http://schemas.microsoft.com/office/drawing/2014/main" xmlns="" val="3183733672"/>
                   </a:ext>
                 </a:extLst>
               </a:tr>
@@ -35439,7 +35523,7 @@
                 </a:tc>
                 <a:extLst>
                   <a:ext uri="{0D108BD9-81ED-4DB2-BD59-A6C34878D82A}">
-                    <a16:rowId xmlns:a16="http://schemas.microsoft.com/office/drawing/2014/main" val="2197559632"/>
+                    <a16:rowId xmlns:a16="http://schemas.microsoft.com/office/drawing/2014/main" xmlns="" val="2197559632"/>
                   </a:ext>
                 </a:extLst>
               </a:tr>
@@ -35492,7 +35576,7 @@
                 </a:tc>
                 <a:extLst>
                   <a:ext uri="{0D108BD9-81ED-4DB2-BD59-A6C34878D82A}">
-                    <a16:rowId xmlns:a16="http://schemas.microsoft.com/office/drawing/2014/main" val="425293522"/>
+                    <a16:rowId xmlns:a16="http://schemas.microsoft.com/office/drawing/2014/main" xmlns="" val="425293522"/>
                   </a:ext>
                 </a:extLst>
               </a:tr>
@@ -35545,7 +35629,7 @@
                 </a:tc>
                 <a:extLst>
                   <a:ext uri="{0D108BD9-81ED-4DB2-BD59-A6C34878D82A}">
-                    <a16:rowId xmlns:a16="http://schemas.microsoft.com/office/drawing/2014/main" val="489892455"/>
+                    <a16:rowId xmlns:a16="http://schemas.microsoft.com/office/drawing/2014/main" xmlns="" val="489892455"/>
                   </a:ext>
                 </a:extLst>
               </a:tr>
@@ -35589,7 +35673,7 @@
                 </a:tc>
                 <a:extLst>
                   <a:ext uri="{0D108BD9-81ED-4DB2-BD59-A6C34878D82A}">
-                    <a16:rowId xmlns:a16="http://schemas.microsoft.com/office/drawing/2014/main" val="362202127"/>
+                    <a16:rowId xmlns:a16="http://schemas.microsoft.com/office/drawing/2014/main" xmlns="" val="362202127"/>
                   </a:ext>
                 </a:extLst>
               </a:tr>
@@ -35649,7 +35733,7 @@
                 </a:tc>
                 <a:extLst>
                   <a:ext uri="{0D108BD9-81ED-4DB2-BD59-A6C34878D82A}">
-                    <a16:rowId xmlns:a16="http://schemas.microsoft.com/office/drawing/2014/main" val="1696573813"/>
+                    <a16:rowId xmlns:a16="http://schemas.microsoft.com/office/drawing/2014/main" xmlns="" val="1696573813"/>
                   </a:ext>
                 </a:extLst>
               </a:tr>
@@ -35692,7 +35776,7 @@
           <p:cNvPr id="2" name="Title 1">
             <a:extLst>
               <a:ext uri="{FF2B5EF4-FFF2-40B4-BE49-F238E27FC236}">
-                <a16:creationId xmlns:a16="http://schemas.microsoft.com/office/drawing/2014/main" id="{5E562972-3449-42D1-8185-B4BEFD52AB44}"/>
+                <a16:creationId xmlns:a16="http://schemas.microsoft.com/office/drawing/2014/main" xmlns="" id="{5E562972-3449-42D1-8185-B4BEFD52AB44}"/>
               </a:ext>
             </a:extLst>
           </p:cNvPr>
@@ -35740,7 +35824,7 @@
           <p:cNvPr id="4" name="Content Placeholder 2" descr="timeline">
             <a:extLst>
               <a:ext uri="{FF2B5EF4-FFF2-40B4-BE49-F238E27FC236}">
-                <a16:creationId xmlns:a16="http://schemas.microsoft.com/office/drawing/2014/main" id="{FF3F0D82-0AA6-45C3-8367-955CBFA02ED6}"/>
+                <a16:creationId xmlns:a16="http://schemas.microsoft.com/office/drawing/2014/main" xmlns="" id="{FF3F0D82-0AA6-45C3-8367-955CBFA02ED6}"/>
               </a:ext>
             </a:extLst>
           </p:cNvPr>
@@ -35796,7 +35880,7 @@
           <p:cNvPr id="2" name="Title 1">
             <a:extLst>
               <a:ext uri="{FF2B5EF4-FFF2-40B4-BE49-F238E27FC236}">
-                <a16:creationId xmlns:a16="http://schemas.microsoft.com/office/drawing/2014/main" id="{5E562972-3449-42D1-8185-B4BEFD52AB44}"/>
+                <a16:creationId xmlns:a16="http://schemas.microsoft.com/office/drawing/2014/main" xmlns="" id="{5E562972-3449-42D1-8185-B4BEFD52AB44}"/>
               </a:ext>
             </a:extLst>
           </p:cNvPr>
@@ -35844,7 +35928,7 @@
           <p:cNvPr id="4" name="Content Placeholder 2" descr="timeline">
             <a:extLst>
               <a:ext uri="{FF2B5EF4-FFF2-40B4-BE49-F238E27FC236}">
-                <a16:creationId xmlns:a16="http://schemas.microsoft.com/office/drawing/2014/main" id="{FF3F0D82-0AA6-45C3-8367-955CBFA02ED6}"/>
+                <a16:creationId xmlns:a16="http://schemas.microsoft.com/office/drawing/2014/main" xmlns="" id="{FF3F0D82-0AA6-45C3-8367-955CBFA02ED6}"/>
               </a:ext>
             </a:extLst>
           </p:cNvPr>
@@ -35900,7 +35984,7 @@
           <p:cNvPr id="2" name="Title 1">
             <a:extLst>
               <a:ext uri="{FF2B5EF4-FFF2-40B4-BE49-F238E27FC236}">
-                <a16:creationId xmlns:a16="http://schemas.microsoft.com/office/drawing/2014/main" id="{5E562972-3449-42D1-8185-B4BEFD52AB44}"/>
+                <a16:creationId xmlns:a16="http://schemas.microsoft.com/office/drawing/2014/main" xmlns="" id="{5E562972-3449-42D1-8185-B4BEFD52AB44}"/>
               </a:ext>
             </a:extLst>
           </p:cNvPr>
@@ -35948,7 +36032,7 @@
           <p:cNvPr id="4" name="Content Placeholder 2" descr="timeline">
             <a:extLst>
               <a:ext uri="{FF2B5EF4-FFF2-40B4-BE49-F238E27FC236}">
-                <a16:creationId xmlns:a16="http://schemas.microsoft.com/office/drawing/2014/main" id="{FF3F0D82-0AA6-45C3-8367-955CBFA02ED6}"/>
+                <a16:creationId xmlns:a16="http://schemas.microsoft.com/office/drawing/2014/main" xmlns="" id="{FF3F0D82-0AA6-45C3-8367-955CBFA02ED6}"/>
               </a:ext>
             </a:extLst>
           </p:cNvPr>
@@ -36004,7 +36088,7 @@
           <p:cNvPr id="2" name="Title 1">
             <a:extLst>
               <a:ext uri="{FF2B5EF4-FFF2-40B4-BE49-F238E27FC236}">
-                <a16:creationId xmlns:a16="http://schemas.microsoft.com/office/drawing/2014/main" id="{5E562972-3449-42D1-8185-B4BEFD52AB44}"/>
+                <a16:creationId xmlns:a16="http://schemas.microsoft.com/office/drawing/2014/main" xmlns="" id="{5E562972-3449-42D1-8185-B4BEFD52AB44}"/>
               </a:ext>
             </a:extLst>
           </p:cNvPr>
@@ -36039,7 +36123,7 @@
           <p:cNvPr id="4" name="Content Placeholder 2" descr="timeline">
             <a:extLst>
               <a:ext uri="{FF2B5EF4-FFF2-40B4-BE49-F238E27FC236}">
-                <a16:creationId xmlns:a16="http://schemas.microsoft.com/office/drawing/2014/main" id="{FF3F0D82-0AA6-45C3-8367-955CBFA02ED6}"/>
+                <a16:creationId xmlns:a16="http://schemas.microsoft.com/office/drawing/2014/main" xmlns="" id="{FF3F0D82-0AA6-45C3-8367-955CBFA02ED6}"/>
               </a:ext>
             </a:extLst>
           </p:cNvPr>
@@ -36095,7 +36179,100 @@
           <p:cNvPr id="2" name="Title 1">
             <a:extLst>
               <a:ext uri="{FF2B5EF4-FFF2-40B4-BE49-F238E27FC236}">
-                <a16:creationId xmlns:a16="http://schemas.microsoft.com/office/drawing/2014/main" id="{5E562972-3449-42D1-8185-B4BEFD52AB44}"/>
+                <a16:creationId xmlns:a16="http://schemas.microsoft.com/office/drawing/2014/main" xmlns="" id="{5E562972-3449-42D1-8185-B4BEFD52AB44}"/>
+              </a:ext>
+            </a:extLst>
+          </p:cNvPr>
+          <p:cNvSpPr>
+            <a:spLocks noGrp="1"/>
+          </p:cNvSpPr>
+          <p:nvPr>
+            <p:ph type="title"/>
+          </p:nvPr>
+        </p:nvSpPr>
+        <p:spPr>
+          <a:xfrm>
+            <a:off x="581192" y="702156"/>
+            <a:ext cx="11029616" cy="448033"/>
+          </a:xfrm>
+        </p:spPr>
+        <p:txBody>
+          <a:bodyPr>
+            <a:normAutofit fontScale="90000"/>
+          </a:bodyPr>
+          <a:lstStyle/>
+          <a:p>
+            <a:r>
+              <a:rPr lang="en-US" dirty="0"/>
+              <a:t>Problem definition</a:t>
+            </a:r>
+          </a:p>
+        </p:txBody>
+      </p:sp>
+      <p:sp>
+        <p:nvSpPr>
+          <p:cNvPr id="5" name="Content Placeholder 4">
+            <a:extLst>
+              <a:ext uri="{FF2B5EF4-FFF2-40B4-BE49-F238E27FC236}">
+                <a16:creationId xmlns:a16="http://schemas.microsoft.com/office/drawing/2014/main" xmlns="" id="{2FA6057C-20C2-44A6-A8B6-392E68586320}"/>
+              </a:ext>
+            </a:extLst>
+          </p:cNvPr>
+          <p:cNvSpPr>
+            <a:spLocks noGrp="1"/>
+          </p:cNvSpPr>
+          <p:nvPr>
+            <p:ph idx="1"/>
+          </p:nvPr>
+        </p:nvSpPr>
+        <p:spPr/>
+        <p:txBody>
+          <a:bodyPr/>
+          <a:lstStyle/>
+          <a:p>
+            <a:r>
+              <a:rPr lang="en-US" dirty="0"/>
+              <a:t>Electric Vehicle (EV) has been growing in the last decade. As more car manufacturers start producing their EV products for this competitive market, the adoption from car owners is also on the rise. This is a great topic to explore with our statistical experiments. For the scope of this project, we focus our experiment on the EV population in Washington State</a:t>
+            </a:r>
+          </a:p>
+        </p:txBody>
+      </p:sp>
+    </p:spTree>
+    <p:extLst>
+      <p:ext uri="{BB962C8B-B14F-4D97-AF65-F5344CB8AC3E}">
+        <p14:creationId xmlns:p14="http://schemas.microsoft.com/office/powerpoint/2010/main" val="3496993262"/>
+      </p:ext>
+    </p:extLst>
+  </p:cSld>
+  <p:clrMapOvr>
+    <a:masterClrMapping/>
+  </p:clrMapOvr>
+</p:sld>
+</file>
+
+<file path=ppt/slides/slide3.xml><?xml version="1.0" encoding="utf-8"?>
+<p:sld xmlns:a="http://schemas.openxmlformats.org/drawingml/2006/main" xmlns:r="http://schemas.openxmlformats.org/officeDocument/2006/relationships" xmlns:p="http://schemas.openxmlformats.org/presentationml/2006/main">
+  <p:cSld>
+    <p:spTree>
+      <p:nvGrpSpPr>
+        <p:cNvPr id="1" name=""/>
+        <p:cNvGrpSpPr/>
+        <p:nvPr/>
+      </p:nvGrpSpPr>
+      <p:grpSpPr>
+        <a:xfrm>
+          <a:off x="0" y="0"/>
+          <a:ext cx="0" cy="0"/>
+          <a:chOff x="0" y="0"/>
+          <a:chExt cx="0" cy="0"/>
+        </a:xfrm>
+      </p:grpSpPr>
+      <p:sp>
+        <p:nvSpPr>
+          <p:cNvPr id="2" name="Title 1">
+            <a:extLst>
+              <a:ext uri="{FF2B5EF4-FFF2-40B4-BE49-F238E27FC236}">
+                <a16:creationId xmlns:a16="http://schemas.microsoft.com/office/drawing/2014/main" xmlns="" id="{5E562972-3449-42D1-8185-B4BEFD52AB44}"/>
               </a:ext>
             </a:extLst>
           </p:cNvPr>
@@ -36130,7 +36307,7 @@
           <p:cNvPr id="4" name="Content Placeholder 2" descr="timeline">
             <a:extLst>
               <a:ext uri="{FF2B5EF4-FFF2-40B4-BE49-F238E27FC236}">
-                <a16:creationId xmlns:a16="http://schemas.microsoft.com/office/drawing/2014/main" id="{FF3F0D82-0AA6-45C3-8367-955CBFA02ED6}"/>
+                <a16:creationId xmlns:a16="http://schemas.microsoft.com/office/drawing/2014/main" xmlns="" id="{FF3F0D82-0AA6-45C3-8367-955CBFA02ED6}"/>
               </a:ext>
             </a:extLst>
           </p:cNvPr>
@@ -36169,99 +36346,6 @@
 </p:sld>
 </file>
 
-<file path=ppt/slides/slide3.xml><?xml version="1.0" encoding="utf-8"?>
-<p:sld xmlns:a="http://schemas.openxmlformats.org/drawingml/2006/main" xmlns:r="http://schemas.openxmlformats.org/officeDocument/2006/relationships" xmlns:p="http://schemas.openxmlformats.org/presentationml/2006/main">
-  <p:cSld>
-    <p:spTree>
-      <p:nvGrpSpPr>
-        <p:cNvPr id="1" name=""/>
-        <p:cNvGrpSpPr/>
-        <p:nvPr/>
-      </p:nvGrpSpPr>
-      <p:grpSpPr>
-        <a:xfrm>
-          <a:off x="0" y="0"/>
-          <a:ext cx="0" cy="0"/>
-          <a:chOff x="0" y="0"/>
-          <a:chExt cx="0" cy="0"/>
-        </a:xfrm>
-      </p:grpSpPr>
-      <p:sp>
-        <p:nvSpPr>
-          <p:cNvPr id="2" name="Title 1">
-            <a:extLst>
-              <a:ext uri="{FF2B5EF4-FFF2-40B4-BE49-F238E27FC236}">
-                <a16:creationId xmlns:a16="http://schemas.microsoft.com/office/drawing/2014/main" id="{5E562972-3449-42D1-8185-B4BEFD52AB44}"/>
-              </a:ext>
-            </a:extLst>
-          </p:cNvPr>
-          <p:cNvSpPr>
-            <a:spLocks noGrp="1"/>
-          </p:cNvSpPr>
-          <p:nvPr>
-            <p:ph type="title"/>
-          </p:nvPr>
-        </p:nvSpPr>
-        <p:spPr>
-          <a:xfrm>
-            <a:off x="581192" y="702156"/>
-            <a:ext cx="11029616" cy="448033"/>
-          </a:xfrm>
-        </p:spPr>
-        <p:txBody>
-          <a:bodyPr>
-            <a:normAutofit fontScale="90000"/>
-          </a:bodyPr>
-          <a:lstStyle/>
-          <a:p>
-            <a:r>
-              <a:rPr lang="en-US" dirty="0"/>
-              <a:t>Problem definition</a:t>
-            </a:r>
-          </a:p>
-        </p:txBody>
-      </p:sp>
-      <p:sp>
-        <p:nvSpPr>
-          <p:cNvPr id="5" name="Content Placeholder 4">
-            <a:extLst>
-              <a:ext uri="{FF2B5EF4-FFF2-40B4-BE49-F238E27FC236}">
-                <a16:creationId xmlns:a16="http://schemas.microsoft.com/office/drawing/2014/main" id="{2FA6057C-20C2-44A6-A8B6-392E68586320}"/>
-              </a:ext>
-            </a:extLst>
-          </p:cNvPr>
-          <p:cNvSpPr>
-            <a:spLocks noGrp="1"/>
-          </p:cNvSpPr>
-          <p:nvPr>
-            <p:ph idx="1"/>
-          </p:nvPr>
-        </p:nvSpPr>
-        <p:spPr/>
-        <p:txBody>
-          <a:bodyPr/>
-          <a:lstStyle/>
-          <a:p>
-            <a:r>
-              <a:rPr lang="en-US" dirty="0"/>
-              <a:t>Electric Vehicle (EV) has been growing in the last decade. As more car manufacturers start producing their EV products for this competitive market, the adoption from car owners is also on the rise. This is a great topic to explore with our statistical experiments. For the scope of this project, we focus our experiment on the EV population in Washington State</a:t>
-            </a:r>
-          </a:p>
-        </p:txBody>
-      </p:sp>
-    </p:spTree>
-    <p:extLst>
-      <p:ext uri="{BB962C8B-B14F-4D97-AF65-F5344CB8AC3E}">
-        <p14:creationId xmlns:p14="http://schemas.microsoft.com/office/powerpoint/2010/main" val="3496993262"/>
-      </p:ext>
-    </p:extLst>
-  </p:cSld>
-  <p:clrMapOvr>
-    <a:masterClrMapping/>
-  </p:clrMapOvr>
-</p:sld>
-</file>
-
 <file path=ppt/slides/slide4.xml><?xml version="1.0" encoding="utf-8"?>
 <p:sld xmlns:a="http://schemas.openxmlformats.org/drawingml/2006/main" xmlns:r="http://schemas.openxmlformats.org/officeDocument/2006/relationships" xmlns:p="http://schemas.openxmlformats.org/presentationml/2006/main">
   <p:cSld>
@@ -36284,7 +36368,7 @@
           <p:cNvPr id="2" name="Title 1">
             <a:extLst>
               <a:ext uri="{FF2B5EF4-FFF2-40B4-BE49-F238E27FC236}">
-                <a16:creationId xmlns:a16="http://schemas.microsoft.com/office/drawing/2014/main" id="{5E562972-3449-42D1-8185-B4BEFD52AB44}"/>
+                <a16:creationId xmlns:a16="http://schemas.microsoft.com/office/drawing/2014/main" xmlns="" id="{5E562972-3449-42D1-8185-B4BEFD52AB44}"/>
               </a:ext>
             </a:extLst>
           </p:cNvPr>
@@ -36323,7 +36407,7 @@
           <p:cNvPr id="4" name="Content Placeholder 2" descr="timeline">
             <a:extLst>
               <a:ext uri="{FF2B5EF4-FFF2-40B4-BE49-F238E27FC236}">
-                <a16:creationId xmlns:a16="http://schemas.microsoft.com/office/drawing/2014/main" id="{FF3F0D82-0AA6-45C3-8367-955CBFA02ED6}"/>
+                <a16:creationId xmlns:a16="http://schemas.microsoft.com/office/drawing/2014/main" xmlns="" id="{FF3F0D82-0AA6-45C3-8367-955CBFA02ED6}"/>
               </a:ext>
             </a:extLst>
           </p:cNvPr>
@@ -36347,7 +36431,7 @@
     </p:spTree>
     <p:extLst>
       <p:ext uri="{BB962C8B-B14F-4D97-AF65-F5344CB8AC3E}">
-        <p14:creationId xmlns:p14="http://schemas.microsoft.com/office/powerpoint/2010/main" val="3421466258"/>
+        <p14:creationId xmlns:p14="http://schemas.microsoft.com/office/powerpoint/2010/main" val="2071430027"/>
       </p:ext>
     </p:extLst>
   </p:cSld>
@@ -36379,7 +36463,7 @@
           <p:cNvPr id="2" name="Title 1">
             <a:extLst>
               <a:ext uri="{FF2B5EF4-FFF2-40B4-BE49-F238E27FC236}">
-                <a16:creationId xmlns:a16="http://schemas.microsoft.com/office/drawing/2014/main" id="{5E562972-3449-42D1-8185-B4BEFD52AB44}"/>
+                <a16:creationId xmlns:a16="http://schemas.microsoft.com/office/drawing/2014/main" xmlns="" id="{5E562972-3449-42D1-8185-B4BEFD52AB44}"/>
               </a:ext>
             </a:extLst>
           </p:cNvPr>
@@ -36418,7 +36502,7 @@
           <p:cNvPr id="4" name="Content Placeholder 2" descr="timeline">
             <a:extLst>
               <a:ext uri="{FF2B5EF4-FFF2-40B4-BE49-F238E27FC236}">
-                <a16:creationId xmlns:a16="http://schemas.microsoft.com/office/drawing/2014/main" id="{FF3F0D82-0AA6-45C3-8367-955CBFA02ED6}"/>
+                <a16:creationId xmlns:a16="http://schemas.microsoft.com/office/drawing/2014/main" xmlns="" id="{FF3F0D82-0AA6-45C3-8367-955CBFA02ED6}"/>
               </a:ext>
             </a:extLst>
           </p:cNvPr>
@@ -36442,7 +36526,7 @@
     </p:spTree>
     <p:extLst>
       <p:ext uri="{BB962C8B-B14F-4D97-AF65-F5344CB8AC3E}">
-        <p14:creationId xmlns:p14="http://schemas.microsoft.com/office/powerpoint/2010/main" val="2071430027"/>
+        <p14:creationId xmlns:p14="http://schemas.microsoft.com/office/powerpoint/2010/main" val="3421466258"/>
       </p:ext>
     </p:extLst>
   </p:cSld>
@@ -36474,7 +36558,7 @@
           <p:cNvPr id="2" name="Title 1">
             <a:extLst>
               <a:ext uri="{FF2B5EF4-FFF2-40B4-BE49-F238E27FC236}">
-                <a16:creationId xmlns:a16="http://schemas.microsoft.com/office/drawing/2014/main" id="{5E562972-3449-42D1-8185-B4BEFD52AB44}"/>
+                <a16:creationId xmlns:a16="http://schemas.microsoft.com/office/drawing/2014/main" xmlns="" id="{5E562972-3449-42D1-8185-B4BEFD52AB44}"/>
               </a:ext>
             </a:extLst>
           </p:cNvPr>
@@ -36522,7 +36606,7 @@
           <p:cNvPr id="6" name="Table 6">
             <a:extLst>
               <a:ext uri="{FF2B5EF4-FFF2-40B4-BE49-F238E27FC236}">
-                <a16:creationId xmlns:a16="http://schemas.microsoft.com/office/drawing/2014/main" id="{5E565D9B-F6AB-4162-8169-7533E4A00F90}"/>
+                <a16:creationId xmlns:a16="http://schemas.microsoft.com/office/drawing/2014/main" xmlns="" id="{5E565D9B-F6AB-4162-8169-7533E4A00F90}"/>
               </a:ext>
             </a:extLst>
           </p:cNvPr>
@@ -36539,7 +36623,7 @@
         </p:nvGraphicFramePr>
         <p:xfrm>
           <a:off x="644635" y="1360351"/>
-          <a:ext cx="11037613" cy="3657600"/>
+          <a:ext cx="11037613" cy="3749040"/>
         </p:xfrm>
         <a:graphic>
           <a:graphicData uri="http://schemas.openxmlformats.org/drawingml/2006/table">
@@ -36551,21 +36635,21 @@
                 <a:gridCol w="1509986">
                   <a:extLst>
                     <a:ext uri="{9D8B030D-6E8A-4147-A177-3AD203B41FA5}">
-                      <a16:colId xmlns:a16="http://schemas.microsoft.com/office/drawing/2014/main" val="79440665"/>
+                      <a16:colId xmlns:a16="http://schemas.microsoft.com/office/drawing/2014/main" xmlns="" val="79440665"/>
                     </a:ext>
                   </a:extLst>
                 </a:gridCol>
                 <a:gridCol w="2091558">
                   <a:extLst>
                     <a:ext uri="{9D8B030D-6E8A-4147-A177-3AD203B41FA5}">
-                      <a16:colId xmlns:a16="http://schemas.microsoft.com/office/drawing/2014/main" val="1455305722"/>
+                      <a16:colId xmlns:a16="http://schemas.microsoft.com/office/drawing/2014/main" xmlns="" val="1455305722"/>
                     </a:ext>
                   </a:extLst>
                 </a:gridCol>
                 <a:gridCol w="7436069">
                   <a:extLst>
                     <a:ext uri="{9D8B030D-6E8A-4147-A177-3AD203B41FA5}">
-                      <a16:colId xmlns:a16="http://schemas.microsoft.com/office/drawing/2014/main" val="3735898087"/>
+                      <a16:colId xmlns:a16="http://schemas.microsoft.com/office/drawing/2014/main" xmlns="" val="3735898087"/>
                     </a:ext>
                   </a:extLst>
                 </a:gridCol>
@@ -36612,7 +36696,7 @@
                 </a:tc>
                 <a:extLst>
                   <a:ext uri="{0D108BD9-81ED-4DB2-BD59-A6C34878D82A}">
-                    <a16:rowId xmlns:a16="http://schemas.microsoft.com/office/drawing/2014/main" val="3447992204"/>
+                    <a16:rowId xmlns:a16="http://schemas.microsoft.com/office/drawing/2014/main" xmlns="" val="3447992204"/>
                   </a:ext>
                 </a:extLst>
               </a:tr>
@@ -36659,7 +36743,7 @@
                 </a:tc>
                 <a:extLst>
                   <a:ext uri="{0D108BD9-81ED-4DB2-BD59-A6C34878D82A}">
-                    <a16:rowId xmlns:a16="http://schemas.microsoft.com/office/drawing/2014/main" val="3921571520"/>
+                    <a16:rowId xmlns:a16="http://schemas.microsoft.com/office/drawing/2014/main" xmlns="" val="3921571520"/>
                   </a:ext>
                 </a:extLst>
               </a:tr>
@@ -36703,7 +36787,7 @@
                 </a:tc>
                 <a:extLst>
                   <a:ext uri="{0D108BD9-81ED-4DB2-BD59-A6C34878D82A}">
-                    <a16:rowId xmlns:a16="http://schemas.microsoft.com/office/drawing/2014/main" val="3183733672"/>
+                    <a16:rowId xmlns:a16="http://schemas.microsoft.com/office/drawing/2014/main" xmlns="" val="3183733672"/>
                   </a:ext>
                 </a:extLst>
               </a:tr>
@@ -36747,7 +36831,7 @@
                 </a:tc>
                 <a:extLst>
                   <a:ext uri="{0D108BD9-81ED-4DB2-BD59-A6C34878D82A}">
-                    <a16:rowId xmlns:a16="http://schemas.microsoft.com/office/drawing/2014/main" val="2197559632"/>
+                    <a16:rowId xmlns:a16="http://schemas.microsoft.com/office/drawing/2014/main" xmlns="" val="2197559632"/>
                   </a:ext>
                 </a:extLst>
               </a:tr>
@@ -36791,7 +36875,7 @@
                 </a:tc>
                 <a:extLst>
                   <a:ext uri="{0D108BD9-81ED-4DB2-BD59-A6C34878D82A}">
-                    <a16:rowId xmlns:a16="http://schemas.microsoft.com/office/drawing/2014/main" val="425293522"/>
+                    <a16:rowId xmlns:a16="http://schemas.microsoft.com/office/drawing/2014/main" xmlns="" val="425293522"/>
                   </a:ext>
                 </a:extLst>
               </a:tr>
@@ -36834,7 +36918,7 @@
                 </a:tc>
                 <a:extLst>
                   <a:ext uri="{0D108BD9-81ED-4DB2-BD59-A6C34878D82A}">
-                    <a16:rowId xmlns:a16="http://schemas.microsoft.com/office/drawing/2014/main" val="489892455"/>
+                    <a16:rowId xmlns:a16="http://schemas.microsoft.com/office/drawing/2014/main" xmlns="" val="489892455"/>
                   </a:ext>
                 </a:extLst>
               </a:tr>
@@ -36877,7 +36961,7 @@
                 </a:tc>
                 <a:extLst>
                   <a:ext uri="{0D108BD9-81ED-4DB2-BD59-A6C34878D82A}">
-                    <a16:rowId xmlns:a16="http://schemas.microsoft.com/office/drawing/2014/main" val="362202127"/>
+                    <a16:rowId xmlns:a16="http://schemas.microsoft.com/office/drawing/2014/main" xmlns="" val="362202127"/>
                   </a:ext>
                 </a:extLst>
               </a:tr>
@@ -36920,7 +37004,7 @@
           <p:cNvPr id="2" name="Title 1">
             <a:extLst>
               <a:ext uri="{FF2B5EF4-FFF2-40B4-BE49-F238E27FC236}">
-                <a16:creationId xmlns:a16="http://schemas.microsoft.com/office/drawing/2014/main" id="{5E562972-3449-42D1-8185-B4BEFD52AB44}"/>
+                <a16:creationId xmlns:a16="http://schemas.microsoft.com/office/drawing/2014/main" xmlns="" id="{5E562972-3449-42D1-8185-B4BEFD52AB44}"/>
               </a:ext>
             </a:extLst>
           </p:cNvPr>
@@ -36968,7 +37052,7 @@
           <p:cNvPr id="5" name="Content Placeholder 4">
             <a:extLst>
               <a:ext uri="{FF2B5EF4-FFF2-40B4-BE49-F238E27FC236}">
-                <a16:creationId xmlns:a16="http://schemas.microsoft.com/office/drawing/2014/main" id="{08ADB3B7-C01B-4CBF-BF7A-3599084AD860}"/>
+                <a16:creationId xmlns:a16="http://schemas.microsoft.com/office/drawing/2014/main" xmlns="" id="{08ADB3B7-C01B-4CBF-BF7A-3599084AD860}"/>
               </a:ext>
             </a:extLst>
           </p:cNvPr>
@@ -37026,7 +37110,7 @@
           <p:cNvPr id="2" name="Title 1">
             <a:extLst>
               <a:ext uri="{FF2B5EF4-FFF2-40B4-BE49-F238E27FC236}">
-                <a16:creationId xmlns:a16="http://schemas.microsoft.com/office/drawing/2014/main" id="{5E562972-3449-42D1-8185-B4BEFD52AB44}"/>
+                <a16:creationId xmlns:a16="http://schemas.microsoft.com/office/drawing/2014/main" xmlns="" id="{5E562972-3449-42D1-8185-B4BEFD52AB44}"/>
               </a:ext>
             </a:extLst>
           </p:cNvPr>
@@ -37074,7 +37158,7 @@
           <p:cNvPr id="5" name="Content Placeholder 4">
             <a:extLst>
               <a:ext uri="{FF2B5EF4-FFF2-40B4-BE49-F238E27FC236}">
-                <a16:creationId xmlns:a16="http://schemas.microsoft.com/office/drawing/2014/main" id="{A730A86C-9A1B-490C-94D5-17DD8A8BFDE6}"/>
+                <a16:creationId xmlns:a16="http://schemas.microsoft.com/office/drawing/2014/main" xmlns="" id="{A730A86C-9A1B-490C-94D5-17DD8A8BFDE6}"/>
               </a:ext>
             </a:extLst>
           </p:cNvPr>
@@ -37132,7 +37216,7 @@
           <p:cNvPr id="2" name="Title 1">
             <a:extLst>
               <a:ext uri="{FF2B5EF4-FFF2-40B4-BE49-F238E27FC236}">
-                <a16:creationId xmlns:a16="http://schemas.microsoft.com/office/drawing/2014/main" id="{5E562972-3449-42D1-8185-B4BEFD52AB44}"/>
+                <a16:creationId xmlns:a16="http://schemas.microsoft.com/office/drawing/2014/main" xmlns="" id="{5E562972-3449-42D1-8185-B4BEFD52AB44}"/>
               </a:ext>
             </a:extLst>
           </p:cNvPr>
@@ -37180,7 +37264,7 @@
           <p:cNvPr id="4" name="Content Placeholder 2" descr="timeline">
             <a:extLst>
               <a:ext uri="{FF2B5EF4-FFF2-40B4-BE49-F238E27FC236}">
-                <a16:creationId xmlns:a16="http://schemas.microsoft.com/office/drawing/2014/main" id="{FF3F0D82-0AA6-45C3-8367-955CBFA02ED6}"/>
+                <a16:creationId xmlns:a16="http://schemas.microsoft.com/office/drawing/2014/main" xmlns="" id="{FF3F0D82-0AA6-45C3-8367-955CBFA02ED6}"/>
               </a:ext>
             </a:extLst>
           </p:cNvPr>
@@ -37477,31 +37561,13 @@
   <a:extraClrSchemeLst/>
   <a:extLst>
     <a:ext uri="{05A4C25C-085E-4340-85A3-A5531E510DB2}">
-      <thm15:themeFamily xmlns:thm15="http://schemas.microsoft.com/office/thememl/2012/main" name="DividendVTI" id="{97558BDE-0B66-457C-BB6F-7B1B22DAA9B8}" vid="{F53508A3-AC60-448A-AF37-934D5F1A0D5E}"/>
+      <thm15:themeFamily xmlns:thm15="http://schemas.microsoft.com/office/thememl/2012/main" xmlns="" name="DividendVTI" id="{97558BDE-0B66-457C-BB6F-7B1B22DAA9B8}" vid="{F53508A3-AC60-448A-AF37-934D5F1A0D5E}"/>
     </a:ext>
   </a:extLst>
 </a:theme>
 </file>
 
 <file path=customXml/item1.xml><?xml version="1.0" encoding="utf-8"?>
-<p:properties xmlns:p="http://schemas.microsoft.com/office/2006/metadata/properties" xmlns:xsi="http://www.w3.org/2001/XMLSchema-instance" xmlns:pc="http://schemas.microsoft.com/office/infopath/2007/PartnerControls">
-  <documentManagement>
-    <Status xmlns="71af3243-3dd4-4a8d-8c0d-dd76da1f02a5">Not started</Status>
-    <MediaServiceKeyPoints xmlns="71af3243-3dd4-4a8d-8c0d-dd76da1f02a5" xsi:nil="true"/>
-  </documentManagement>
-</p:properties>
-</file>
-
-<file path=customXml/item2.xml><?xml version="1.0" encoding="utf-8"?>
-<?mso-contentType ?>
-<FormTemplates xmlns="http://schemas.microsoft.com/sharepoint/v3/contenttype/forms">
-  <Display>DocumentLibraryForm</Display>
-  <Edit>DocumentLibraryForm</Edit>
-  <New>DocumentLibraryForm</New>
-</FormTemplates>
-</file>
-
-<file path=customXml/item3.xml><?xml version="1.0" encoding="utf-8"?>
 <ct:contentTypeSchema xmlns:ct="http://schemas.microsoft.com/office/2006/metadata/contentType" xmlns:ma="http://schemas.microsoft.com/office/2006/metadata/properties/metaAttributes" ct:_="" ma:_="" ma:contentTypeName="Document" ma:contentTypeID="0x01010079F111ED35F8CC479449609E8A0923A6" ma:contentTypeVersion="12" ma:contentTypeDescription="Create a new document." ma:contentTypeScope="" ma:versionID="a410dd7f93c95333ffa1b60ed6adedd1">
   <xsd:schema xmlns:xsd="http://www.w3.org/2001/XMLSchema" xmlns:xs="http://www.w3.org/2001/XMLSchema" xmlns:p="http://schemas.microsoft.com/office/2006/metadata/properties" xmlns:ns2="71af3243-3dd4-4a8d-8c0d-dd76da1f02a5" xmlns:ns3="16c05727-aa75-4e4a-9b5f-8a80a1165891" targetNamespace="http://schemas.microsoft.com/office/2006/metadata/properties" ma:root="true" ma:fieldsID="a936d9baba76aa3866493feff160faab" ns2:_="" ns3:_="">
     <xsd:import namespace="71af3243-3dd4-4a8d-8c0d-dd76da1f02a5"/>
@@ -37722,25 +37788,25 @@
 </ct:contentTypeSchema>
 </file>
 
-<file path=customXml/itemProps1.xml><?xml version="1.0" encoding="utf-8"?>
-<ds:datastoreItem xmlns:ds="http://schemas.openxmlformats.org/officeDocument/2006/customXml" ds:itemID="{8D289AE2-D2AE-49D1-AFAC-3A79F6794255}">
-  <ds:schemaRefs>
-    <ds:schemaRef ds:uri="http://schemas.microsoft.com/office/2006/metadata/properties"/>
-    <ds:schemaRef ds:uri="http://schemas.microsoft.com/office/infopath/2007/PartnerControls"/>
-    <ds:schemaRef ds:uri="71af3243-3dd4-4a8d-8c0d-dd76da1f02a5"/>
-  </ds:schemaRefs>
-</ds:datastoreItem>
+<file path=customXml/item2.xml><?xml version="1.0" encoding="utf-8"?>
+<?mso-contentType ?>
+<FormTemplates xmlns="http://schemas.microsoft.com/sharepoint/v3/contenttype/forms">
+  <Display>DocumentLibraryForm</Display>
+  <Edit>DocumentLibraryForm</Edit>
+  <New>DocumentLibraryForm</New>
+</FormTemplates>
 </file>
 
-<file path=customXml/itemProps2.xml><?xml version="1.0" encoding="utf-8"?>
-<ds:datastoreItem xmlns:ds="http://schemas.openxmlformats.org/officeDocument/2006/customXml" ds:itemID="{927BD4C1-B6B1-4715-ABF9-E660A51A4EA0}">
-  <ds:schemaRefs>
-    <ds:schemaRef ds:uri="http://schemas.microsoft.com/sharepoint/v3/contenttype/forms"/>
-  </ds:schemaRefs>
-</ds:datastoreItem>
+<file path=customXml/item3.xml><?xml version="1.0" encoding="utf-8"?>
+<p:properties xmlns:p="http://schemas.microsoft.com/office/2006/metadata/properties" xmlns:xsi="http://www.w3.org/2001/XMLSchema-instance" xmlns:pc="http://schemas.microsoft.com/office/infopath/2007/PartnerControls">
+  <documentManagement>
+    <Status xmlns="71af3243-3dd4-4a8d-8c0d-dd76da1f02a5">Not started</Status>
+    <MediaServiceKeyPoints xmlns="71af3243-3dd4-4a8d-8c0d-dd76da1f02a5" xsi:nil="true"/>
+  </documentManagement>
+</p:properties>
 </file>
 
-<file path=customXml/itemProps3.xml><?xml version="1.0" encoding="utf-8"?>
+<file path=customXml/itemProps1.xml><?xml version="1.0" encoding="utf-8"?>
 <ds:datastoreItem xmlns:ds="http://schemas.openxmlformats.org/officeDocument/2006/customXml" ds:itemID="{41E7CA09-9778-4414-AE97-8064B12DA30E}">
   <ds:schemaRefs>
     <ds:schemaRef ds:uri="http://schemas.microsoft.com/office/2006/metadata/contentType"/>
@@ -37757,4 +37823,22 @@
     <ds:schemaRef ds:uri="http://schemas.microsoft.com/internal/obd"/>
   </ds:schemaRefs>
 </ds:datastoreItem>
+</file>
+
+<file path=customXml/itemProps2.xml><?xml version="1.0" encoding="utf-8"?>
+<ds:datastoreItem xmlns:ds="http://schemas.openxmlformats.org/officeDocument/2006/customXml" ds:itemID="{927BD4C1-B6B1-4715-ABF9-E660A51A4EA0}">
+  <ds:schemaRefs>
+    <ds:schemaRef ds:uri="http://schemas.microsoft.com/sharepoint/v3/contenttype/forms"/>
+  </ds:schemaRefs>
+</ds:datastoreItem>
+</file>
+
+<file path=customXml/itemProps3.xml><?xml version="1.0" encoding="utf-8"?>
+<ds:datastoreItem xmlns:ds="http://schemas.openxmlformats.org/officeDocument/2006/customXml" ds:itemID="{8D289AE2-D2AE-49D1-AFAC-3A79F6794255}">
+  <ds:schemaRefs>
+    <ds:schemaRef ds:uri="http://schemas.microsoft.com/office/2006/metadata/properties"/>
+    <ds:schemaRef ds:uri="http://schemas.microsoft.com/office/infopath/2007/PartnerControls"/>
+    <ds:schemaRef ds:uri="71af3243-3dd4-4a8d-8c0d-dd76da1f02a5"/>
+  </ds:schemaRefs>
+</ds:datastoreItem>
 </file>